--- a/doc/ESP32_WT32-SC01/hw-architecture.pptx
+++ b/doc/ESP32_WT32-SC01/hw-architecture.pptx
@@ -260,7 +260,7 @@
           <a:p>
             <a:fld id="{C5953419-5297-424B-A7CE-50A5D18C8463}" type="datetimeFigureOut">
               <a:rPr lang="ko-KR" altLang="en-US" smtClean="0"/>
-              <a:t>2022-09-07</a:t>
+              <a:t>2022-09-18</a:t>
             </a:fld>
             <a:endParaRPr lang="ko-KR" altLang="en-US"/>
           </a:p>
@@ -458,7 +458,7 @@
           <a:p>
             <a:fld id="{C5953419-5297-424B-A7CE-50A5D18C8463}" type="datetimeFigureOut">
               <a:rPr lang="ko-KR" altLang="en-US" smtClean="0"/>
-              <a:t>2022-09-07</a:t>
+              <a:t>2022-09-18</a:t>
             </a:fld>
             <a:endParaRPr lang="ko-KR" altLang="en-US"/>
           </a:p>
@@ -666,7 +666,7 @@
           <a:p>
             <a:fld id="{C5953419-5297-424B-A7CE-50A5D18C8463}" type="datetimeFigureOut">
               <a:rPr lang="ko-KR" altLang="en-US" smtClean="0"/>
-              <a:t>2022-09-07</a:t>
+              <a:t>2022-09-18</a:t>
             </a:fld>
             <a:endParaRPr lang="ko-KR" altLang="en-US"/>
           </a:p>
@@ -864,7 +864,7 @@
           <a:p>
             <a:fld id="{C5953419-5297-424B-A7CE-50A5D18C8463}" type="datetimeFigureOut">
               <a:rPr lang="ko-KR" altLang="en-US" smtClean="0"/>
-              <a:t>2022-09-07</a:t>
+              <a:t>2022-09-18</a:t>
             </a:fld>
             <a:endParaRPr lang="ko-KR" altLang="en-US"/>
           </a:p>
@@ -1139,7 +1139,7 @@
           <a:p>
             <a:fld id="{C5953419-5297-424B-A7CE-50A5D18C8463}" type="datetimeFigureOut">
               <a:rPr lang="ko-KR" altLang="en-US" smtClean="0"/>
-              <a:t>2022-09-07</a:t>
+              <a:t>2022-09-18</a:t>
             </a:fld>
             <a:endParaRPr lang="ko-KR" altLang="en-US"/>
           </a:p>
@@ -1404,7 +1404,7 @@
           <a:p>
             <a:fld id="{C5953419-5297-424B-A7CE-50A5D18C8463}" type="datetimeFigureOut">
               <a:rPr lang="ko-KR" altLang="en-US" smtClean="0"/>
-              <a:t>2022-09-07</a:t>
+              <a:t>2022-09-18</a:t>
             </a:fld>
             <a:endParaRPr lang="ko-KR" altLang="en-US"/>
           </a:p>
@@ -1816,7 +1816,7 @@
           <a:p>
             <a:fld id="{C5953419-5297-424B-A7CE-50A5D18C8463}" type="datetimeFigureOut">
               <a:rPr lang="ko-KR" altLang="en-US" smtClean="0"/>
-              <a:t>2022-09-07</a:t>
+              <a:t>2022-09-18</a:t>
             </a:fld>
             <a:endParaRPr lang="ko-KR" altLang="en-US"/>
           </a:p>
@@ -1957,7 +1957,7 @@
           <a:p>
             <a:fld id="{C5953419-5297-424B-A7CE-50A5D18C8463}" type="datetimeFigureOut">
               <a:rPr lang="ko-KR" altLang="en-US" smtClean="0"/>
-              <a:t>2022-09-07</a:t>
+              <a:t>2022-09-18</a:t>
             </a:fld>
             <a:endParaRPr lang="ko-KR" altLang="en-US"/>
           </a:p>
@@ -2070,7 +2070,7 @@
           <a:p>
             <a:fld id="{C5953419-5297-424B-A7CE-50A5D18C8463}" type="datetimeFigureOut">
               <a:rPr lang="ko-KR" altLang="en-US" smtClean="0"/>
-              <a:t>2022-09-07</a:t>
+              <a:t>2022-09-18</a:t>
             </a:fld>
             <a:endParaRPr lang="ko-KR" altLang="en-US"/>
           </a:p>
@@ -2381,7 +2381,7 @@
           <a:p>
             <a:fld id="{C5953419-5297-424B-A7CE-50A5D18C8463}" type="datetimeFigureOut">
               <a:rPr lang="ko-KR" altLang="en-US" smtClean="0"/>
-              <a:t>2022-09-07</a:t>
+              <a:t>2022-09-18</a:t>
             </a:fld>
             <a:endParaRPr lang="ko-KR" altLang="en-US"/>
           </a:p>
@@ -2669,7 +2669,7 @@
           <a:p>
             <a:fld id="{C5953419-5297-424B-A7CE-50A5D18C8463}" type="datetimeFigureOut">
               <a:rPr lang="ko-KR" altLang="en-US" smtClean="0"/>
-              <a:t>2022-09-07</a:t>
+              <a:t>2022-09-18</a:t>
             </a:fld>
             <a:endParaRPr lang="ko-KR" altLang="en-US"/>
           </a:p>
@@ -2910,7 +2910,7 @@
           <a:p>
             <a:fld id="{C5953419-5297-424B-A7CE-50A5D18C8463}" type="datetimeFigureOut">
               <a:rPr lang="ko-KR" altLang="en-US" smtClean="0"/>
-              <a:t>2022-09-07</a:t>
+              <a:t>2022-09-18</a:t>
             </a:fld>
             <a:endParaRPr lang="ko-KR" altLang="en-US"/>
           </a:p>
@@ -5903,14 +5903,14 @@
           <p:nvPr>
             <p:extLst>
               <p:ext uri="{D42A27DB-BD31-4B8C-83A1-F6EECF244321}">
-                <p14:modId xmlns:p14="http://schemas.microsoft.com/office/powerpoint/2010/main" val="3515032763"/>
+                <p14:modId xmlns:p14="http://schemas.microsoft.com/office/powerpoint/2010/main" val="3024816291"/>
               </p:ext>
             </p:extLst>
           </p:nvPr>
         </p:nvGraphicFramePr>
         <p:xfrm>
-          <a:off x="327658" y="4058921"/>
-          <a:ext cx="5006342" cy="2057400"/>
+          <a:off x="469898" y="4127500"/>
+          <a:ext cx="5179062" cy="2057400"/>
         </p:xfrm>
         <a:graphic>
           <a:graphicData uri="http://schemas.openxmlformats.org/drawingml/2006/table">
@@ -5919,42 +5919,42 @@
                 <a:tableStyleId>{5C22544A-7EE6-4342-B048-85BDC9FD1C3A}</a:tableStyleId>
               </a:tblPr>
               <a:tblGrid>
-                <a:gridCol w="1183642">
+                <a:gridCol w="1663702">
                   <a:extLst>
                     <a:ext uri="{9D8B030D-6E8A-4147-A177-3AD203B41FA5}">
                       <a16:colId xmlns:a16="http://schemas.microsoft.com/office/drawing/2014/main" val="2144230636"/>
                     </a:ext>
                   </a:extLst>
                 </a:gridCol>
-                <a:gridCol w="749300">
+                <a:gridCol w="731520">
                   <a:extLst>
                     <a:ext uri="{9D8B030D-6E8A-4147-A177-3AD203B41FA5}">
                       <a16:colId xmlns:a16="http://schemas.microsoft.com/office/drawing/2014/main" val="2754059859"/>
                     </a:ext>
                   </a:extLst>
                 </a:gridCol>
-                <a:gridCol w="736600">
+                <a:gridCol w="772160">
                   <a:extLst>
                     <a:ext uri="{9D8B030D-6E8A-4147-A177-3AD203B41FA5}">
                       <a16:colId xmlns:a16="http://schemas.microsoft.com/office/drawing/2014/main" val="3553285164"/>
                     </a:ext>
                   </a:extLst>
                 </a:gridCol>
-                <a:gridCol w="850900">
+                <a:gridCol w="670560">
                   <a:extLst>
                     <a:ext uri="{9D8B030D-6E8A-4147-A177-3AD203B41FA5}">
                       <a16:colId xmlns:a16="http://schemas.microsoft.com/office/drawing/2014/main" val="1024093785"/>
                     </a:ext>
                   </a:extLst>
                 </a:gridCol>
-                <a:gridCol w="723900">
+                <a:gridCol w="690880">
                   <a:extLst>
                     <a:ext uri="{9D8B030D-6E8A-4147-A177-3AD203B41FA5}">
                       <a16:colId xmlns:a16="http://schemas.microsoft.com/office/drawing/2014/main" val="3347612605"/>
                     </a:ext>
                   </a:extLst>
                 </a:gridCol>
-                <a:gridCol w="762000">
+                <a:gridCol w="650240">
                   <a:extLst>
                     <a:ext uri="{9D8B030D-6E8A-4147-A177-3AD203B41FA5}">
                       <a16:colId xmlns:a16="http://schemas.microsoft.com/office/drawing/2014/main" val="1682590994"/>
@@ -6335,7 +6335,7 @@
                       <a:pPr latinLnBrk="1"/>
                       <a:r>
                         <a:rPr lang="en-US" altLang="ko-KR" sz="900" dirty="0"/>
-                        <a:t>Base board</a:t>
+                        <a:t>Base board (PCB)</a:t>
                       </a:r>
                       <a:endParaRPr lang="ko-KR" altLang="en-US" sz="900" dirty="0"/>
                     </a:p>
@@ -6529,7 +6529,7 @@
                       <a:pPr latinLnBrk="1"/>
                       <a:r>
                         <a:rPr lang="en-US" altLang="ko-KR" sz="900" dirty="0"/>
-                        <a:t>Battery Charger</a:t>
+                        <a:t>Battery Charger (PCB)</a:t>
                       </a:r>
                       <a:endParaRPr lang="ko-KR" altLang="en-US" sz="900" dirty="0"/>
                     </a:p>
